--- a/App/LBS-App-Übersicht.pptx
+++ b/App/LBS-App-Übersicht.pptx
@@ -205,7 +205,7 @@
           <a:p>
             <a:fld id="{8F2B8AA2-188B-4F19-AA4C-C76AC1A9F078}" type="datetimeFigureOut">
               <a:rPr lang="en-GB" smtClean="0"/>
-              <a:t>22/01/2015</a:t>
+              <a:t>11/05/2015</a:t>
             </a:fld>
             <a:endParaRPr lang="en-GB"/>
           </a:p>
@@ -730,7 +730,7 @@
           <a:p>
             <a:fld id="{279A7FB0-4C83-44D8-8F76-4DF069FC3742}" type="datetimeFigureOut">
               <a:rPr lang="en-GB" smtClean="0"/>
-              <a:t>22/01/2015</a:t>
+              <a:t>11/05/2015</a:t>
             </a:fld>
             <a:endParaRPr lang="en-GB"/>
           </a:p>
@@ -895,7 +895,7 @@
           <a:p>
             <a:fld id="{279A7FB0-4C83-44D8-8F76-4DF069FC3742}" type="datetimeFigureOut">
               <a:rPr lang="en-GB" smtClean="0"/>
-              <a:t>22/01/2015</a:t>
+              <a:t>11/05/2015</a:t>
             </a:fld>
             <a:endParaRPr lang="en-GB"/>
           </a:p>
@@ -1070,7 +1070,7 @@
           <a:p>
             <a:fld id="{279A7FB0-4C83-44D8-8F76-4DF069FC3742}" type="datetimeFigureOut">
               <a:rPr lang="en-GB" smtClean="0"/>
-              <a:t>22/01/2015</a:t>
+              <a:t>11/05/2015</a:t>
             </a:fld>
             <a:endParaRPr lang="en-GB"/>
           </a:p>
@@ -1235,7 +1235,7 @@
           <a:p>
             <a:fld id="{279A7FB0-4C83-44D8-8F76-4DF069FC3742}" type="datetimeFigureOut">
               <a:rPr lang="en-GB" smtClean="0"/>
-              <a:t>22/01/2015</a:t>
+              <a:t>11/05/2015</a:t>
             </a:fld>
             <a:endParaRPr lang="en-GB"/>
           </a:p>
@@ -1477,7 +1477,7 @@
           <a:p>
             <a:fld id="{279A7FB0-4C83-44D8-8F76-4DF069FC3742}" type="datetimeFigureOut">
               <a:rPr lang="en-GB" smtClean="0"/>
-              <a:t>22/01/2015</a:t>
+              <a:t>11/05/2015</a:t>
             </a:fld>
             <a:endParaRPr lang="en-GB"/>
           </a:p>
@@ -1741,7 +1741,7 @@
           <a:p>
             <a:fld id="{279A7FB0-4C83-44D8-8F76-4DF069FC3742}" type="datetimeFigureOut">
               <a:rPr lang="en-GB" smtClean="0"/>
-              <a:t>22/01/2015</a:t>
+              <a:t>11/05/2015</a:t>
             </a:fld>
             <a:endParaRPr lang="en-GB"/>
           </a:p>
@@ -2119,7 +2119,7 @@
           <a:p>
             <a:fld id="{279A7FB0-4C83-44D8-8F76-4DF069FC3742}" type="datetimeFigureOut">
               <a:rPr lang="en-GB" smtClean="0"/>
-              <a:t>22/01/2015</a:t>
+              <a:t>11/05/2015</a:t>
             </a:fld>
             <a:endParaRPr lang="en-GB"/>
           </a:p>
@@ -2269,7 +2269,7 @@
           <a:p>
             <a:fld id="{279A7FB0-4C83-44D8-8F76-4DF069FC3742}" type="datetimeFigureOut">
               <a:rPr lang="en-GB" smtClean="0"/>
-              <a:t>22/01/2015</a:t>
+              <a:t>11/05/2015</a:t>
             </a:fld>
             <a:endParaRPr lang="en-GB"/>
           </a:p>
@@ -2359,7 +2359,7 @@
           <a:p>
             <a:fld id="{279A7FB0-4C83-44D8-8F76-4DF069FC3742}" type="datetimeFigureOut">
               <a:rPr lang="en-GB" smtClean="0"/>
-              <a:t>22/01/2015</a:t>
+              <a:t>11/05/2015</a:t>
             </a:fld>
             <a:endParaRPr lang="en-GB"/>
           </a:p>
@@ -2620,7 +2620,7 @@
           <a:p>
             <a:fld id="{279A7FB0-4C83-44D8-8F76-4DF069FC3742}" type="datetimeFigureOut">
               <a:rPr lang="en-GB" smtClean="0"/>
-              <a:t>22/01/2015</a:t>
+              <a:t>11/05/2015</a:t>
             </a:fld>
             <a:endParaRPr lang="en-GB"/>
           </a:p>
@@ -2908,7 +2908,7 @@
           <a:p>
             <a:fld id="{279A7FB0-4C83-44D8-8F76-4DF069FC3742}" type="datetimeFigureOut">
               <a:rPr lang="en-GB" smtClean="0"/>
-              <a:t>22/01/2015</a:t>
+              <a:t>11/05/2015</a:t>
             </a:fld>
             <a:endParaRPr lang="en-GB"/>
           </a:p>
@@ -3679,7 +3679,7 @@
           <a:p>
             <a:fld id="{279A7FB0-4C83-44D8-8F76-4DF069FC3742}" type="datetimeFigureOut">
               <a:rPr lang="en-GB" smtClean="0"/>
-              <a:t>22/01/2015</a:t>
+              <a:t>11/05/2015</a:t>
             </a:fld>
             <a:endParaRPr lang="en-GB"/>
           </a:p>

--- a/App/LBS-App-Übersicht.pptx
+++ b/App/LBS-App-Übersicht.pptx
@@ -205,7 +205,7 @@
           <a:p>
             <a:fld id="{8F2B8AA2-188B-4F19-AA4C-C76AC1A9F078}" type="datetimeFigureOut">
               <a:rPr lang="en-GB" smtClean="0"/>
-              <a:t>11/05/2015</a:t>
+              <a:t>12/05/2015</a:t>
             </a:fld>
             <a:endParaRPr lang="en-GB"/>
           </a:p>
@@ -730,7 +730,7 @@
           <a:p>
             <a:fld id="{279A7FB0-4C83-44D8-8F76-4DF069FC3742}" type="datetimeFigureOut">
               <a:rPr lang="en-GB" smtClean="0"/>
-              <a:t>11/05/2015</a:t>
+              <a:t>12/05/2015</a:t>
             </a:fld>
             <a:endParaRPr lang="en-GB"/>
           </a:p>
@@ -895,7 +895,7 @@
           <a:p>
             <a:fld id="{279A7FB0-4C83-44D8-8F76-4DF069FC3742}" type="datetimeFigureOut">
               <a:rPr lang="en-GB" smtClean="0"/>
-              <a:t>11/05/2015</a:t>
+              <a:t>12/05/2015</a:t>
             </a:fld>
             <a:endParaRPr lang="en-GB"/>
           </a:p>
@@ -1070,7 +1070,7 @@
           <a:p>
             <a:fld id="{279A7FB0-4C83-44D8-8F76-4DF069FC3742}" type="datetimeFigureOut">
               <a:rPr lang="en-GB" smtClean="0"/>
-              <a:t>11/05/2015</a:t>
+              <a:t>12/05/2015</a:t>
             </a:fld>
             <a:endParaRPr lang="en-GB"/>
           </a:p>
@@ -1235,7 +1235,7 @@
           <a:p>
             <a:fld id="{279A7FB0-4C83-44D8-8F76-4DF069FC3742}" type="datetimeFigureOut">
               <a:rPr lang="en-GB" smtClean="0"/>
-              <a:t>11/05/2015</a:t>
+              <a:t>12/05/2015</a:t>
             </a:fld>
             <a:endParaRPr lang="en-GB"/>
           </a:p>
@@ -1477,7 +1477,7 @@
           <a:p>
             <a:fld id="{279A7FB0-4C83-44D8-8F76-4DF069FC3742}" type="datetimeFigureOut">
               <a:rPr lang="en-GB" smtClean="0"/>
-              <a:t>11/05/2015</a:t>
+              <a:t>12/05/2015</a:t>
             </a:fld>
             <a:endParaRPr lang="en-GB"/>
           </a:p>
@@ -1741,7 +1741,7 @@
           <a:p>
             <a:fld id="{279A7FB0-4C83-44D8-8F76-4DF069FC3742}" type="datetimeFigureOut">
               <a:rPr lang="en-GB" smtClean="0"/>
-              <a:t>11/05/2015</a:t>
+              <a:t>12/05/2015</a:t>
             </a:fld>
             <a:endParaRPr lang="en-GB"/>
           </a:p>
@@ -2119,7 +2119,7 @@
           <a:p>
             <a:fld id="{279A7FB0-4C83-44D8-8F76-4DF069FC3742}" type="datetimeFigureOut">
               <a:rPr lang="en-GB" smtClean="0"/>
-              <a:t>11/05/2015</a:t>
+              <a:t>12/05/2015</a:t>
             </a:fld>
             <a:endParaRPr lang="en-GB"/>
           </a:p>
@@ -2269,7 +2269,7 @@
           <a:p>
             <a:fld id="{279A7FB0-4C83-44D8-8F76-4DF069FC3742}" type="datetimeFigureOut">
               <a:rPr lang="en-GB" smtClean="0"/>
-              <a:t>11/05/2015</a:t>
+              <a:t>12/05/2015</a:t>
             </a:fld>
             <a:endParaRPr lang="en-GB"/>
           </a:p>
@@ -2359,7 +2359,7 @@
           <a:p>
             <a:fld id="{279A7FB0-4C83-44D8-8F76-4DF069FC3742}" type="datetimeFigureOut">
               <a:rPr lang="en-GB" smtClean="0"/>
-              <a:t>11/05/2015</a:t>
+              <a:t>12/05/2015</a:t>
             </a:fld>
             <a:endParaRPr lang="en-GB"/>
           </a:p>
@@ -2620,7 +2620,7 @@
           <a:p>
             <a:fld id="{279A7FB0-4C83-44D8-8F76-4DF069FC3742}" type="datetimeFigureOut">
               <a:rPr lang="en-GB" smtClean="0"/>
-              <a:t>11/05/2015</a:t>
+              <a:t>12/05/2015</a:t>
             </a:fld>
             <a:endParaRPr lang="en-GB"/>
           </a:p>
@@ -2908,7 +2908,7 @@
           <a:p>
             <a:fld id="{279A7FB0-4C83-44D8-8F76-4DF069FC3742}" type="datetimeFigureOut">
               <a:rPr lang="en-GB" smtClean="0"/>
-              <a:t>11/05/2015</a:t>
+              <a:t>12/05/2015</a:t>
             </a:fld>
             <a:endParaRPr lang="en-GB"/>
           </a:p>
@@ -3679,7 +3679,7 @@
           <a:p>
             <a:fld id="{279A7FB0-4C83-44D8-8F76-4DF069FC3742}" type="datetimeFigureOut">
               <a:rPr lang="en-GB" smtClean="0"/>
-              <a:t>11/05/2015</a:t>
+              <a:t>12/05/2015</a:t>
             </a:fld>
             <a:endParaRPr lang="en-GB"/>
           </a:p>
@@ -4435,7 +4435,7 @@
         </p:blipFill>
         <p:spPr>
           <a:xfrm>
-            <a:off x="107504" y="1772817"/>
+            <a:off x="35496" y="1772817"/>
             <a:ext cx="8939336" cy="5085184"/>
           </a:xfrm>
         </p:spPr>
@@ -4819,7 +4819,7 @@
         </p:blipFill>
         <p:spPr>
           <a:xfrm>
-            <a:off x="457200" y="3062341"/>
+            <a:off x="446856" y="3062341"/>
             <a:ext cx="8229600" cy="2135081"/>
           </a:xfrm>
         </p:spPr>
